--- a/Java core project.pptx
+++ b/Java core project.pptx
@@ -6921,7 +6921,7 @@
             </a:r>
             <a:r>
               <a:rPr lang="en-US" dirty="0"/>
-              <a:t> ( Add(), remove(), update() , display() )</a:t>
+              <a:t> ( Add(), delete(), update() , show() )</a:t>
             </a:r>
           </a:p>
           <a:p>
@@ -7236,7 +7236,7 @@
             </a:r>
             <a:r>
               <a:rPr lang="en-US" dirty="0"/>
-              <a:t> hang (Order(), display order())</a:t>
+              <a:t> hang (Order(), show())</a:t>
             </a:r>
           </a:p>
         </p:txBody>
@@ -7319,6 +7319,50 @@
         <p:txBody>
           <a:bodyPr/>
           <a:lstStyle/>
+          <a:p>
+            <a:r>
+              <a:rPr lang="en-US" dirty="0"/>
+              <a:t>&lt;Interface&gt; </a:t>
+            </a:r>
+            <a:r>
+              <a:rPr lang="en-US" dirty="0" err="1"/>
+              <a:t>ProductService</a:t>
+            </a:r>
+            <a:r>
+              <a:rPr lang="en-US" dirty="0"/>
+              <a:t>: </a:t>
+            </a:r>
+            <a:r>
+              <a:rPr lang="en-US" dirty="0" err="1"/>
+              <a:t>chứa</a:t>
+            </a:r>
+            <a:r>
+              <a:rPr lang="en-US" dirty="0"/>
+              <a:t> method add(), show(), delete(), Update()</a:t>
+            </a:r>
+          </a:p>
+          <a:p>
+            <a:r>
+              <a:rPr lang="en-US" dirty="0"/>
+              <a:t>&lt;Interface&gt; </a:t>
+            </a:r>
+            <a:r>
+              <a:rPr lang="en-US" dirty="0" err="1"/>
+              <a:t>OrderService</a:t>
+            </a:r>
+            <a:r>
+              <a:rPr lang="en-US" dirty="0"/>
+              <a:t>: </a:t>
+            </a:r>
+            <a:r>
+              <a:rPr lang="en-US" dirty="0" err="1"/>
+              <a:t>chứa</a:t>
+            </a:r>
+            <a:r>
+              <a:rPr lang="en-US" dirty="0"/>
+              <a:t> method order(), Show()</a:t>
+            </a:r>
+          </a:p>
           <a:p>
             <a:r>
               <a:rPr lang="en-US" dirty="0"/>
